--- a/TITLE PRESENTATIONCopy.pptx
+++ b/TITLE PRESENTATIONCopy.pptx
@@ -4411,7 +4411,7 @@
                 </a:solidFill>
                 <a:latin typeface="Montserrat"/>
               </a:rPr>
-              <a:t>hello</a:t>
+              <a:t>hi</a:t>
             </a:r>
             <a:endParaRPr lang="en-US" sz="1997" dirty="0">
               <a:solidFill>
